--- a/tensorflow install guide PPT.pptx
+++ b/tensorflow install guide PPT.pptx
@@ -46,11 +46,11 @@
   <p:notesSz cx="6858000" cy="9144000"/>
   <p:embeddedFontLst>
     <p:embeddedFont>
-      <p:font typeface="나눔스퀘어" panose="020B0600000101010101" pitchFamily="50" charset="-127"/>
+      <p:font typeface="08서울남산체 B" panose="02020603020101020101" pitchFamily="18" charset="-127"/>
       <p:regular r:id="rId38"/>
     </p:embeddedFont>
     <p:embeddedFont>
-      <p:font typeface="08서울남산체 B" panose="02020603020101020101" pitchFamily="18" charset="-127"/>
+      <p:font typeface="나눔스퀘어" panose="020B0600000101010101" pitchFamily="50" charset="-127"/>
       <p:regular r:id="rId39"/>
     </p:embeddedFont>
     <p:embeddedFont>
@@ -9299,7 +9299,7 @@
         <p:spPr>
           <a:xfrm>
             <a:off x="9643601" y="5529682"/>
-            <a:ext cx="2121093" cy="707886"/>
+            <a:ext cx="2121093" cy="400110"/>
           </a:xfrm>
           <a:prstGeom prst="rect">
             <a:avLst/>
@@ -9311,40 +9311,6 @@
             <a:spAutoFit/>
           </a:bodyPr>
           <a:lstStyle/>
-          <a:p>
-            <a:pPr algn="ctr"/>
-            <a:r>
-              <a:rPr lang="ko-KR" altLang="en-US" sz="2000" b="1" dirty="0" smtClean="0">
-                <a:ln w="22225">
-                  <a:noFill/>
-                </a:ln>
-                <a:effectLst>
-                  <a:outerShdw blurRad="38100" dist="38100" dir="2700000" algn="tl">
-                    <a:srgbClr val="000000">
-                      <a:alpha val="43137"/>
-                    </a:srgbClr>
-                  </a:outerShdw>
-                </a:effectLst>
-                <a:latin typeface="나눔스퀘어" panose="020B0600000101010101" pitchFamily="50" charset="-127"/>
-                <a:ea typeface="나눔스퀘어" panose="020B0600000101010101" pitchFamily="50" charset="-127"/>
-              </a:rPr>
-              <a:t>기계학습개론        </a:t>
-            </a:r>
-            <a:endParaRPr lang="en-US" altLang="ko-KR" sz="2000" b="1" dirty="0" smtClean="0">
-              <a:ln w="22225">
-                <a:noFill/>
-              </a:ln>
-              <a:effectLst>
-                <a:outerShdw blurRad="38100" dist="38100" dir="2700000" algn="tl">
-                  <a:srgbClr val="000000">
-                    <a:alpha val="43137"/>
-                  </a:srgbClr>
-                </a:outerShdw>
-              </a:effectLst>
-              <a:latin typeface="나눔스퀘어" panose="020B0600000101010101" pitchFamily="50" charset="-127"/>
-              <a:ea typeface="나눔스퀘어" panose="020B0600000101010101" pitchFamily="50" charset="-127"/>
-            </a:endParaRPr>
-          </a:p>
           <a:p>
             <a:pPr algn="ctr"/>
             <a:r>
@@ -11774,13 +11740,6 @@
               </a:rPr>
               <a:t>확인</a:t>
             </a:r>
-            <a:endParaRPr lang="ko-KR" altLang="en-US" sz="2500" dirty="0">
-              <a:solidFill>
-                <a:srgbClr val="333333"/>
-              </a:solidFill>
-              <a:latin typeface="08서울남산체 B" panose="02020603020101020101" pitchFamily="18" charset="-127"/>
-              <a:ea typeface="08서울남산체 B" panose="02020603020101020101" pitchFamily="18" charset="-127"/>
-            </a:endParaRPr>
           </a:p>
         </p:txBody>
       </p:sp>
@@ -12859,18 +12818,7 @@
                 <a:latin typeface="08서울남산체 B" panose="02020603020101020101" pitchFamily="18" charset="-127"/>
                 <a:ea typeface="08서울남산체 B" panose="02020603020101020101" pitchFamily="18" charset="-127"/>
               </a:rPr>
-              <a:t>-&gt; </a:t>
-            </a:r>
-            <a:r>
-              <a:rPr kumimoji="0" lang="en-US" altLang="ko-KR" sz="2000" b="0" i="0" u="none" strike="noStrike" cap="none" normalizeH="0" baseline="0" dirty="0" smtClean="0">
-                <a:ln>
-                  <a:noFill/>
-                </a:ln>
-                <a:effectLst/>
-                <a:latin typeface="08서울남산체 B" panose="02020603020101020101" pitchFamily="18" charset="-127"/>
-                <a:ea typeface="08서울남산체 B" panose="02020603020101020101" pitchFamily="18" charset="-127"/>
-              </a:rPr>
-              <a:t>activate</a:t>
+              <a:t>-&gt; activate</a:t>
             </a:r>
             <a:r>
               <a:rPr kumimoji="0" lang="en-US" altLang="ko-KR" sz="2000" b="0" i="0" u="none" strike="noStrike" cap="none" normalizeH="0" dirty="0" smtClean="0">
@@ -13555,24 +13503,7 @@
                 <a:latin typeface="08서울남산체 B" panose="02020603020101020101" pitchFamily="18" charset="-127"/>
                 <a:ea typeface="08서울남산체 B" panose="02020603020101020101" pitchFamily="18" charset="-127"/>
               </a:rPr>
-              <a:t>3</a:t>
-            </a:r>
-            <a:r>
-              <a:rPr lang="en-US" altLang="ko-KR" sz="4800" b="1" spc="600" dirty="0" smtClean="0">
-                <a:solidFill>
-                  <a:srgbClr val="153800"/>
-                </a:solidFill>
-                <a:effectLst>
-                  <a:outerShdw blurRad="38100" dist="38100" dir="2700000" algn="tl">
-                    <a:srgbClr val="000000">
-                      <a:alpha val="43137"/>
-                    </a:srgbClr>
-                  </a:outerShdw>
-                </a:effectLst>
-                <a:latin typeface="08서울남산체 B" panose="02020603020101020101" pitchFamily="18" charset="-127"/>
-                <a:ea typeface="08서울남산체 B" panose="02020603020101020101" pitchFamily="18" charset="-127"/>
-              </a:rPr>
-              <a:t>.Jupyter Notebook</a:t>
+              <a:t>3.Jupyter Notebook</a:t>
             </a:r>
             <a:endParaRPr lang="ko-KR" altLang="en-US" sz="4800" b="1" spc="600" dirty="0">
               <a:solidFill>
@@ -14656,24 +14587,7 @@
                 <a:latin typeface="08서울남산체 B" panose="02020603020101020101" pitchFamily="18" charset="-127"/>
                 <a:ea typeface="08서울남산체 B" panose="02020603020101020101" pitchFamily="18" charset="-127"/>
               </a:rPr>
-              <a:t>4. </a:t>
-            </a:r>
-            <a:r>
-              <a:rPr lang="en-US" altLang="ko-KR" sz="4800" b="1" spc="600" dirty="0" smtClean="0">
-                <a:solidFill>
-                  <a:srgbClr val="153800"/>
-                </a:solidFill>
-                <a:effectLst>
-                  <a:outerShdw blurRad="38100" dist="38100" dir="2700000" algn="tl">
-                    <a:srgbClr val="000000">
-                      <a:alpha val="43137"/>
-                    </a:srgbClr>
-                  </a:outerShdw>
-                </a:effectLst>
-                <a:latin typeface="08서울남산체 B" panose="02020603020101020101" pitchFamily="18" charset="-127"/>
-                <a:ea typeface="08서울남산체 B" panose="02020603020101020101" pitchFamily="18" charset="-127"/>
-              </a:rPr>
-              <a:t>TEST</a:t>
+              <a:t>4. TEST</a:t>
             </a:r>
             <a:endParaRPr lang="ko-KR" altLang="en-US" sz="4800" b="1" spc="600" dirty="0">
               <a:solidFill>
